--- a/print/precal_11_3.pptx
+++ b/print/precal_11_3.pptx
@@ -6603,7 +6603,7 @@
               <a:t>compose</a:t>
             </a:r>
             <a:r>
-              <a:t> these functions to turn 5 into 10? Be sure to answer in notebook.</a:t>
+              <a:t> these functions to turn 5 into 10? How about 20? Be sure to answer in notebook.</a:t>
             </a:r>
           </a:p>
           <a:p>
@@ -7064,7 +7064,7 @@
           <a:bodyPr/>
           <a:lstStyle/>
           <a:p>
-            <a:pPr marL="0" indent="0" defTabSz="292607">
+            <a:pPr marL="0" indent="0" defTabSz="288036">
               <a:lnSpc>
                 <a:spcPct val="100000"/>
               </a:lnSpc>
@@ -7075,7 +7075,7 @@
               <a:buSzTx/>
               <a:buFontTx/>
               <a:buNone/>
-              <a:defRPr sz="1365">
+              <a:defRPr sz="1344">
                 <a:solidFill>
                   <a:srgbClr val="012F7B"/>
                 </a:solidFill>
@@ -7090,7 +7090,7 @@
             </a:r>
           </a:p>
           <a:p>
-            <a:pPr marL="182523" indent="-182523" defTabSz="292607">
+            <a:pPr marL="179671" indent="-179671" defTabSz="288036">
               <a:lnSpc>
                 <a:spcPct val="100000"/>
               </a:lnSpc>
@@ -7101,7 +7101,7 @@
               <a:buSzPct val="100000"/>
               <a:buFontTx/>
               <a:buAutoNum type="arabicPeriod" startAt="1"/>
-              <a:defRPr sz="1365">
+              <a:defRPr sz="1344">
                 <a:latin typeface="+mj-lt"/>
                 <a:ea typeface="+mj-ea"/>
                 <a:cs typeface="+mj-cs"/>
@@ -7118,7 +7118,7 @@
             <a14:m>
               <m:oMath>
                 <m:r>
-                  <a:rPr xmlns:a="http://schemas.openxmlformats.org/drawingml/2006/main" sz="2150" i="1">
+                  <a:rPr xmlns:a="http://schemas.openxmlformats.org/drawingml/2006/main" sz="2100" i="1">
                     <a:solidFill>
                       <a:srgbClr val="000000"/>
                     </a:solidFill>
@@ -7133,7 +7133,7 @@
             </a:r>
           </a:p>
           <a:p>
-            <a:pPr marL="182523" indent="-182523" defTabSz="292607">
+            <a:pPr marL="179671" indent="-179671" defTabSz="288036">
               <a:lnSpc>
                 <a:spcPct val="100000"/>
               </a:lnSpc>
@@ -7144,7 +7144,7 @@
               <a:buSzPct val="100000"/>
               <a:buFontTx/>
               <a:buAutoNum type="arabicPeriod" startAt="1"/>
-              <a:defRPr sz="1365">
+              <a:defRPr sz="1344">
                 <a:latin typeface="+mj-lt"/>
                 <a:ea typeface="+mj-ea"/>
                 <a:cs typeface="+mj-cs"/>
@@ -7157,7 +7157,7 @@
             <a14:m>
               <m:oMath>
                 <m:r>
-                  <a:rPr xmlns:a="http://schemas.openxmlformats.org/drawingml/2006/main" sz="1650" i="1">
+                  <a:rPr xmlns:a="http://schemas.openxmlformats.org/drawingml/2006/main" sz="1600" i="1">
                     <a:solidFill>
                       <a:srgbClr val="000000"/>
                     </a:solidFill>
@@ -7166,7 +7166,7 @@
                   <m:t>f</m:t>
                 </m:r>
                 <m:r>
-                  <a:rPr xmlns:a="http://schemas.openxmlformats.org/drawingml/2006/main" sz="1650" i="1">
+                  <a:rPr xmlns:a="http://schemas.openxmlformats.org/drawingml/2006/main" sz="1600" i="1">
                     <a:solidFill>
                       <a:srgbClr val="000000"/>
                     </a:solidFill>
@@ -7175,7 +7175,7 @@
                   <m:t>(</m:t>
                 </m:r>
                 <m:r>
-                  <a:rPr xmlns:a="http://schemas.openxmlformats.org/drawingml/2006/main" sz="1650" i="1">
+                  <a:rPr xmlns:a="http://schemas.openxmlformats.org/drawingml/2006/main" sz="1600" i="1">
                     <a:solidFill>
                       <a:srgbClr val="000000"/>
                     </a:solidFill>
@@ -7184,7 +7184,7 @@
                   <m:t>g</m:t>
                 </m:r>
                 <m:r>
-                  <a:rPr xmlns:a="http://schemas.openxmlformats.org/drawingml/2006/main" sz="1650" i="1">
+                  <a:rPr xmlns:a="http://schemas.openxmlformats.org/drawingml/2006/main" sz="1600" i="1">
                     <a:solidFill>
                       <a:srgbClr val="000000"/>
                     </a:solidFill>
@@ -7193,7 +7193,7 @@
                   <m:t>(</m:t>
                 </m:r>
                 <m:r>
-                  <a:rPr xmlns:a="http://schemas.openxmlformats.org/drawingml/2006/main" sz="1650" i="1">
+                  <a:rPr xmlns:a="http://schemas.openxmlformats.org/drawingml/2006/main" sz="1600" i="1">
                     <a:solidFill>
                       <a:srgbClr val="000000"/>
                     </a:solidFill>
@@ -7202,7 +7202,7 @@
                   <m:t>h</m:t>
                 </m:r>
                 <m:r>
-                  <a:rPr xmlns:a="http://schemas.openxmlformats.org/drawingml/2006/main" sz="1650" i="1">
+                  <a:rPr xmlns:a="http://schemas.openxmlformats.org/drawingml/2006/main" sz="1600" i="1">
                     <a:solidFill>
                       <a:srgbClr val="000000"/>
                     </a:solidFill>
@@ -7211,7 +7211,7 @@
                   <m:t>(</m:t>
                 </m:r>
                 <m:r>
-                  <a:rPr xmlns:a="http://schemas.openxmlformats.org/drawingml/2006/main" sz="1650" i="1">
+                  <a:rPr xmlns:a="http://schemas.openxmlformats.org/drawingml/2006/main" sz="1600" i="1">
                     <a:solidFill>
                       <a:srgbClr val="000000"/>
                     </a:solidFill>
@@ -7220,7 +7220,7 @@
                   <m:t>x</m:t>
                 </m:r>
                 <m:r>
-                  <a:rPr xmlns:a="http://schemas.openxmlformats.org/drawingml/2006/main" sz="1650" i="1">
+                  <a:rPr xmlns:a="http://schemas.openxmlformats.org/drawingml/2006/main" sz="1600" i="1">
                     <a:solidFill>
                       <a:srgbClr val="000000"/>
                     </a:solidFill>
@@ -7229,7 +7229,7 @@
                   <m:t>)</m:t>
                 </m:r>
                 <m:r>
-                  <a:rPr xmlns:a="http://schemas.openxmlformats.org/drawingml/2006/main" sz="1650" i="1">
+                  <a:rPr xmlns:a="http://schemas.openxmlformats.org/drawingml/2006/main" sz="1600" i="1">
                     <a:solidFill>
                       <a:srgbClr val="000000"/>
                     </a:solidFill>
@@ -7328,11 +7328,11 @@
               </m:oMath>
             </a14:m>
             <a:r>
-              <a:t>?</a:t>
-            </a:r>
-          </a:p>
-          <a:p>
-            <a:pPr marL="182523" indent="-182523" defTabSz="292607">
+              <a:t>? What does this tell us about function composition?</a:t>
+            </a:r>
+          </a:p>
+          <a:p>
+            <a:pPr marL="179671" indent="-179671" defTabSz="288036">
               <a:lnSpc>
                 <a:spcPct val="100000"/>
               </a:lnSpc>
@@ -7343,7 +7343,7 @@
               <a:buSzPct val="100000"/>
               <a:buFontTx/>
               <a:buAutoNum type="arabicPeriod" startAt="1"/>
-              <a:defRPr sz="1365">
+              <a:defRPr sz="1344">
                 <a:latin typeface="+mj-lt"/>
                 <a:ea typeface="+mj-ea"/>
                 <a:cs typeface="+mj-cs"/>
@@ -7553,7 +7553,7 @@
             </a:r>
           </a:p>
           <a:p>
-            <a:pPr lvl="1" marL="634554" indent="-228154" defTabSz="292607">
+            <a:pPr lvl="1" marL="624639" indent="-224589" defTabSz="288036">
               <a:lnSpc>
                 <a:spcPct val="100000"/>
               </a:lnSpc>
@@ -7564,7 +7564,7 @@
               <a:buSzPct val="100000"/>
               <a:buFontTx/>
               <a:buAutoNum type="alphaUcPeriod" startAt="1"/>
-              <a:defRPr sz="1365">
+              <a:defRPr sz="1344">
                 <a:latin typeface="+mj-lt"/>
                 <a:ea typeface="+mj-ea"/>
                 <a:cs typeface="+mj-cs"/>
@@ -7576,7 +7576,7 @@
             </a:r>
           </a:p>
           <a:p>
-            <a:pPr lvl="1" marL="634554" indent="-228154" defTabSz="292607">
+            <a:pPr lvl="1" marL="624639" indent="-224589" defTabSz="288036">
               <a:lnSpc>
                 <a:spcPct val="100000"/>
               </a:lnSpc>
@@ -7587,7 +7587,7 @@
               <a:buSzPct val="100000"/>
               <a:buFontTx/>
               <a:buAutoNum type="alphaUcPeriod" startAt="1"/>
-              <a:defRPr sz="1365">
+              <a:defRPr sz="1344">
                 <a:latin typeface="+mj-lt"/>
                 <a:ea typeface="+mj-ea"/>
                 <a:cs typeface="+mj-cs"/>
@@ -7678,7 +7678,7 @@
             </a:r>
           </a:p>
           <a:p>
-            <a:pPr lvl="1" marL="634554" indent="-228154" defTabSz="292607">
+            <a:pPr lvl="1" marL="624639" indent="-224589" defTabSz="288036">
               <a:lnSpc>
                 <a:spcPct val="100000"/>
               </a:lnSpc>
@@ -7689,7 +7689,7 @@
               <a:buSzPct val="100000"/>
               <a:buFontTx/>
               <a:buAutoNum type="alphaUcPeriod" startAt="1"/>
-              <a:defRPr sz="1365">
+              <a:defRPr sz="1344">
                 <a:latin typeface="+mj-lt"/>
                 <a:ea typeface="+mj-ea"/>
                 <a:cs typeface="+mj-cs"/>
